--- a/Poster.pptx
+++ b/Poster.pptx
@@ -217,7 +217,7 @@
           <a:p>
             <a:fld id="{EC5DAD25-F83A-E84F-8A45-00F8F1023B42}" type="datetimeFigureOut">
               <a:rPr lang="en-US" smtClean="0"/>
-              <a:t>5/30/2018</a:t>
+              <a:t>5/30/18</a:t>
             </a:fld>
             <a:endParaRPr lang="en-US"/>
           </a:p>
@@ -2241,7 +2241,105 @@
                 <a:latin typeface="Arial"/>
                 <a:cs typeface="Arial"/>
               </a:rPr>
-              <a:t>The first row are original unstripped images. The second row are learned stripped images. As shown in those images, our algorithm can perform skull stripping well on various slices of brains. This is a deliberately introduced test line you should delete this line after you see it. The overall accuracy of our model is around 92%. One thing worth noting is that most of our model‘s inaccuracy comes from failing to strip a small portion of skull, As shown in figure 7.</a:t>
+              <a:t>The first row are original unstripped images. The second row are learned stripped images. As shown in those images, our algorithm can perform skull stripping well on various slices of brains. This is a deliberately introduced test line you should delete this line after you see it. The overall accuracy of our model is around 92%. One thing worth noting is that most of our model‘s inaccuracy comes from failing to strip a small portion of skull, as shown in the</a:t>
+            </a:r>
+            <a:r>
+              <a:rPr lang="zh-Hans" altLang="en-US" sz="2160" dirty="0">
+                <a:latin typeface="Arial"/>
+                <a:cs typeface="Arial"/>
+              </a:rPr>
+              <a:t> </a:t>
+            </a:r>
+            <a:r>
+              <a:rPr lang="en-US" altLang="zh-Hans" sz="2160" dirty="0">
+                <a:latin typeface="Arial"/>
+                <a:cs typeface="Arial"/>
+              </a:rPr>
+              <a:t>first</a:t>
+            </a:r>
+            <a:r>
+              <a:rPr lang="zh-Hans" altLang="en-US" sz="2160" dirty="0">
+                <a:latin typeface="Arial"/>
+                <a:cs typeface="Arial"/>
+              </a:rPr>
+              <a:t> </a:t>
+            </a:r>
+            <a:r>
+              <a:rPr lang="en-US" altLang="zh-Hans" sz="2160" dirty="0">
+                <a:latin typeface="Arial"/>
+                <a:cs typeface="Arial"/>
+              </a:rPr>
+              <a:t>pair</a:t>
+            </a:r>
+            <a:r>
+              <a:rPr lang="zh-Hans" altLang="en-US" sz="2160" dirty="0">
+                <a:latin typeface="Arial"/>
+                <a:cs typeface="Arial"/>
+              </a:rPr>
+              <a:t> </a:t>
+            </a:r>
+            <a:r>
+              <a:rPr lang="en-US" altLang="zh-Hans" sz="2160" dirty="0">
+                <a:latin typeface="Arial"/>
+                <a:cs typeface="Arial"/>
+              </a:rPr>
+              <a:t>of</a:t>
+            </a:r>
+            <a:r>
+              <a:rPr lang="zh-Hans" altLang="en-US" sz="2160" dirty="0">
+                <a:latin typeface="Arial"/>
+                <a:cs typeface="Arial"/>
+              </a:rPr>
+              <a:t> </a:t>
+            </a:r>
+            <a:r>
+              <a:rPr lang="en-US" altLang="zh-Hans" sz="2160" dirty="0">
+                <a:latin typeface="Arial"/>
+                <a:cs typeface="Arial"/>
+              </a:rPr>
+              <a:t>images</a:t>
+            </a:r>
+            <a:r>
+              <a:rPr lang="zh-Hans" altLang="en-US" sz="2160" dirty="0">
+                <a:latin typeface="Arial"/>
+                <a:cs typeface="Arial"/>
+              </a:rPr>
+              <a:t> </a:t>
+            </a:r>
+            <a:r>
+              <a:rPr lang="en-US" altLang="zh-Hans" sz="2160" dirty="0">
+                <a:latin typeface="Arial"/>
+                <a:cs typeface="Arial"/>
+              </a:rPr>
+              <a:t>in</a:t>
+            </a:r>
+            <a:r>
+              <a:rPr lang="zh-Hans" altLang="en-US" sz="2160" dirty="0">
+                <a:latin typeface="Arial"/>
+                <a:cs typeface="Arial"/>
+              </a:rPr>
+              <a:t> </a:t>
+            </a:r>
+            <a:r>
+              <a:rPr lang="en-US" altLang="zh-Hans" sz="2160" dirty="0">
+                <a:latin typeface="Arial"/>
+                <a:cs typeface="Arial"/>
+              </a:rPr>
+              <a:t>figure</a:t>
+            </a:r>
+            <a:r>
+              <a:rPr lang="zh-Hans" altLang="en-US" sz="2160" dirty="0">
+                <a:latin typeface="Arial"/>
+                <a:cs typeface="Arial"/>
+              </a:rPr>
+              <a:t> </a:t>
+            </a:r>
+            <a:r>
+              <a:rPr lang="en-US" altLang="zh-Hans" sz="2160" dirty="0">
+                <a:latin typeface="Arial"/>
+                <a:cs typeface="Arial"/>
+              </a:rPr>
+              <a:t>6.</a:t>
             </a:r>
             <a:r>
               <a:rPr lang="zh-Hans" altLang="en-US" sz="2160" dirty="0">
@@ -3991,7 +4089,7 @@
         </p:nvSpPr>
         <p:spPr>
           <a:xfrm>
-            <a:off x="23373604" y="10000070"/>
+            <a:off x="23269079" y="10701141"/>
             <a:ext cx="3825615" cy="2308324"/>
           </a:xfrm>
           <a:prstGeom prst="rect">

--- a/Poster.pptx
+++ b/Poster.pptx
@@ -2808,15 +2808,23 @@
               </a:pPr>
               <a:r>
                 <a:rPr lang="en-US" sz="2401" dirty="0"/>
-                <a:t>Having slices from different angles give a lot of challenges in stripping those tissues which people are interested in, from </a:t>
+                <a:t>Having slices from different angles give a lot of challenges in stripping those tissues which people are interested in, </a:t>
               </a:r>
               <a:r>
-                <a:rPr lang="en-US" sz="2401" dirty="0" err="1"/>
-                <a:t>xtracranial</a:t>
+                <a:rPr lang="en-US" sz="2401"/>
+                <a:t>from </a:t>
+              </a:r>
+              <a:r>
+                <a:rPr lang="en-US" altLang="zh-Hans" sz="2401"/>
+                <a:t>e</a:t>
+              </a:r>
+              <a:r>
+                <a:rPr lang="en-US" sz="2401"/>
+                <a:t>xtracranial </a:t>
               </a:r>
               <a:r>
                 <a:rPr lang="en-US" sz="2401" dirty="0"/>
-                <a:t> or non-brain tissues that has nothing to do with brain diseases such as Alzheimer’s disease, aneurysm in the brain and etc.</a:t>
+                <a:t>or non-brain tissues that has nothing to do with brain diseases such as Alzheimer’s disease, aneurysm in the brain and etc.</a:t>
               </a:r>
             </a:p>
             <a:p>
